--- a/JAVASCRIPT/neoland-proyectoFinal-javascript/proyecto_javascript/Proyecto_JS_MPR.pptx
+++ b/JAVASCRIPT/neoland-proyectoFinal-javascript/proyecto_javascript/Proyecto_JS_MPR.pptx
@@ -5,7 +5,7 @@
     <p:sldMasterId id="2147483648" r:id="rId1"/>
   </p:sldMasterIdLst>
   <p:notesMasterIdLst>
-    <p:notesMasterId r:id="rId22"/>
+    <p:notesMasterId r:id="rId23"/>
   </p:notesMasterIdLst>
   <p:sldIdLst>
     <p:sldId id="264" r:id="rId2"/>
@@ -24,10 +24,11 @@
     <p:sldId id="272" r:id="rId15"/>
     <p:sldId id="270" r:id="rId16"/>
     <p:sldId id="281" r:id="rId17"/>
-    <p:sldId id="282" r:id="rId18"/>
-    <p:sldId id="280" r:id="rId19"/>
-    <p:sldId id="271" r:id="rId20"/>
-    <p:sldId id="263" r:id="rId21"/>
+    <p:sldId id="283" r:id="rId18"/>
+    <p:sldId id="282" r:id="rId19"/>
+    <p:sldId id="280" r:id="rId20"/>
+    <p:sldId id="271" r:id="rId21"/>
+    <p:sldId id="263" r:id="rId22"/>
   </p:sldIdLst>
   <p:sldSz cx="12192000" cy="6858000"/>
   <p:notesSz cx="6858000" cy="9144000"/>
@@ -1257,138 +1258,6 @@
             </a:endParaRPr>
           </a:p>
           <a:p>
-            <a:pPr marL="742950" lvl="1" indent="-285750" algn="just">
-              <a:lnSpc>
-                <a:spcPct val="115000"/>
-              </a:lnSpc>
-              <a:buFont typeface="Courier New" panose="02070309020205020404" pitchFamily="49" charset="0"/>
-              <a:buChar char="o"/>
-            </a:pPr>
-            <a:r>
-              <a:rPr lang="es-ES" sz="1100" kern="100" dirty="0">
-                <a:effectLst/>
-                <a:latin typeface="Calibri" panose="020F0502020204030204" pitchFamily="34" charset="0"/>
-                <a:ea typeface="Calibri" panose="020F0502020204030204" pitchFamily="34" charset="0"/>
-                <a:cs typeface="Times New Roman" panose="02020603050405020304" pitchFamily="18" charset="0"/>
-              </a:rPr>
-              <a:t>Escalable:</a:t>
-            </a:r>
-            <a:endParaRPr lang="es-ES" sz="1200" kern="100" dirty="0">
-              <a:effectLst/>
-              <a:latin typeface="Calibri" panose="020F0502020204030204" pitchFamily="34" charset="0"/>
-              <a:ea typeface="Calibri" panose="020F0502020204030204" pitchFamily="34" charset="0"/>
-              <a:cs typeface="Times New Roman" panose="02020603050405020304" pitchFamily="18" charset="0"/>
-            </a:endParaRPr>
-          </a:p>
-          <a:p>
-            <a:pPr marL="1143000" lvl="2" indent="-228600" algn="just">
-              <a:lnSpc>
-                <a:spcPct val="115000"/>
-              </a:lnSpc>
-              <a:buFont typeface="Wingdings" pitchFamily="2" charset="2"/>
-              <a:buChar char=""/>
-            </a:pPr>
-            <a:r>
-              <a:rPr lang="es-ES" sz="1100" kern="100" dirty="0">
-                <a:effectLst/>
-                <a:latin typeface="Calibri" panose="020F0502020204030204" pitchFamily="34" charset="0"/>
-                <a:ea typeface="Calibri" panose="020F0502020204030204" pitchFamily="34" charset="0"/>
-                <a:cs typeface="Times New Roman" panose="02020603050405020304" pitchFamily="18" charset="0"/>
-              </a:rPr>
-              <a:t>Todos los juegos comparten maquetación y componentes.</a:t>
-            </a:r>
-            <a:endParaRPr lang="es-ES" sz="1200" kern="100" dirty="0">
-              <a:effectLst/>
-              <a:latin typeface="Calibri" panose="020F0502020204030204" pitchFamily="34" charset="0"/>
-              <a:ea typeface="Calibri" panose="020F0502020204030204" pitchFamily="34" charset="0"/>
-              <a:cs typeface="Times New Roman" panose="02020603050405020304" pitchFamily="18" charset="0"/>
-            </a:endParaRPr>
-          </a:p>
-          <a:p>
-            <a:pPr marL="1143000" lvl="2" indent="-228600" algn="just">
-              <a:lnSpc>
-                <a:spcPct val="115000"/>
-              </a:lnSpc>
-              <a:buFont typeface="Wingdings" pitchFamily="2" charset="2"/>
-              <a:buChar char=""/>
-            </a:pPr>
-            <a:r>
-              <a:rPr lang="es-ES" sz="1100" kern="100" dirty="0">
-                <a:effectLst/>
-                <a:latin typeface="Calibri" panose="020F0502020204030204" pitchFamily="34" charset="0"/>
-                <a:ea typeface="Calibri" panose="020F0502020204030204" pitchFamily="34" charset="0"/>
-                <a:cs typeface="Times New Roman" panose="02020603050405020304" pitchFamily="18" charset="0"/>
-              </a:rPr>
-              <a:t>Crear uno nuevo que se vea igual implica únicamente crear la lógica, ya que a nivel de estilos y componentes se monta igual que el resto.</a:t>
-            </a:r>
-            <a:endParaRPr lang="es-ES" sz="1200" kern="100" dirty="0">
-              <a:effectLst/>
-              <a:latin typeface="Calibri" panose="020F0502020204030204" pitchFamily="34" charset="0"/>
-              <a:ea typeface="Calibri" panose="020F0502020204030204" pitchFamily="34" charset="0"/>
-              <a:cs typeface="Times New Roman" panose="02020603050405020304" pitchFamily="18" charset="0"/>
-            </a:endParaRPr>
-          </a:p>
-          <a:p>
-            <a:pPr marL="1143000" lvl="2" indent="-228600" algn="just">
-              <a:lnSpc>
-                <a:spcPct val="115000"/>
-              </a:lnSpc>
-              <a:buFont typeface="Wingdings" pitchFamily="2" charset="2"/>
-              <a:buChar char=""/>
-            </a:pPr>
-            <a:r>
-              <a:rPr lang="es-ES" sz="1100" kern="100" dirty="0">
-                <a:effectLst/>
-                <a:latin typeface="Calibri" panose="020F0502020204030204" pitchFamily="34" charset="0"/>
-                <a:ea typeface="Calibri" panose="020F0502020204030204" pitchFamily="34" charset="0"/>
-                <a:cs typeface="Times New Roman" panose="02020603050405020304" pitchFamily="18" charset="0"/>
-              </a:rPr>
-              <a:t>Maquetación de cada juego (CSS): por ejemplo, todos los botones, todas las medidas, etc. Y se ha recogido en el archivo común </a:t>
-            </a:r>
-            <a:r>
-              <a:rPr lang="es-ES" sz="1100" kern="100" dirty="0" err="1">
-                <a:effectLst/>
-                <a:latin typeface="Calibri" panose="020F0502020204030204" pitchFamily="34" charset="0"/>
-                <a:ea typeface="Calibri" panose="020F0502020204030204" pitchFamily="34" charset="0"/>
-                <a:cs typeface="Times New Roman" panose="02020603050405020304" pitchFamily="18" charset="0"/>
-              </a:rPr>
-              <a:t>style.css</a:t>
-            </a:r>
-            <a:r>
-              <a:rPr lang="es-ES" sz="1100" kern="100" dirty="0">
-                <a:effectLst/>
-                <a:latin typeface="Calibri" panose="020F0502020204030204" pitchFamily="34" charset="0"/>
-                <a:ea typeface="Calibri" panose="020F0502020204030204" pitchFamily="34" charset="0"/>
-                <a:cs typeface="Times New Roman" panose="02020603050405020304" pitchFamily="18" charset="0"/>
-              </a:rPr>
-              <a:t>, dejando cada .</a:t>
-            </a:r>
-            <a:r>
-              <a:rPr lang="es-ES" sz="1100" kern="100" dirty="0" err="1">
-                <a:effectLst/>
-                <a:latin typeface="Calibri" panose="020F0502020204030204" pitchFamily="34" charset="0"/>
-                <a:ea typeface="Calibri" panose="020F0502020204030204" pitchFamily="34" charset="0"/>
-                <a:cs typeface="Times New Roman" panose="02020603050405020304" pitchFamily="18" charset="0"/>
-              </a:rPr>
-              <a:t>css</a:t>
-            </a:r>
-            <a:r>
-              <a:rPr lang="es-ES" sz="1100" kern="100" dirty="0">
-                <a:effectLst/>
-                <a:latin typeface="Calibri" panose="020F0502020204030204" pitchFamily="34" charset="0"/>
-                <a:ea typeface="Calibri" panose="020F0502020204030204" pitchFamily="34" charset="0"/>
-                <a:cs typeface="Times New Roman" panose="02020603050405020304" pitchFamily="18" charset="0"/>
-              </a:rPr>
-              <a:t> propio para aspectos más concretos de cada juego.</a:t>
-            </a:r>
-            <a:endParaRPr lang="es-ES" sz="1200" kern="100" dirty="0">
-              <a:effectLst/>
-              <a:latin typeface="Calibri" panose="020F0502020204030204" pitchFamily="34" charset="0"/>
-              <a:ea typeface="Calibri" panose="020F0502020204030204" pitchFamily="34" charset="0"/>
-              <a:cs typeface="Times New Roman" panose="02020603050405020304" pitchFamily="18" charset="0"/>
-            </a:endParaRPr>
-          </a:p>
-          <a:p>
             <a:endParaRPr lang="es-ES_tradnl" dirty="0"/>
           </a:p>
         </p:txBody>
@@ -1474,196 +1343,17 @@
           <a:lstStyle/>
           <a:p>
             <a:r>
-              <a:rPr lang="es-ES_tradnl" dirty="0"/>
-              <a:t>Por otro lado, en cuanto a </a:t>
-            </a:r>
-            <a:r>
-              <a:rPr lang="es-ES" sz="1100" kern="100" dirty="0">
-                <a:effectLst/>
-                <a:latin typeface="Calibri" panose="020F0502020204030204" pitchFamily="34" charset="0"/>
-                <a:ea typeface="Calibri" panose="020F0502020204030204" pitchFamily="34" charset="0"/>
-                <a:cs typeface="Times New Roman" panose="02020603050405020304" pitchFamily="18" charset="0"/>
-              </a:rPr>
-              <a:t>programación todos los juegos tienen la misma estructura de archivo: </a:t>
-            </a:r>
-          </a:p>
-          <a:p>
-            <a:r>
-              <a:rPr lang="es-ES" sz="1100" kern="100" dirty="0">
-                <a:effectLst/>
-                <a:latin typeface="Calibri" panose="020F0502020204030204" pitchFamily="34" charset="0"/>
-                <a:ea typeface="Calibri" panose="020F0502020204030204" pitchFamily="34" charset="0"/>
-                <a:cs typeface="Times New Roman" panose="02020603050405020304" pitchFamily="18" charset="0"/>
-              </a:rPr>
-              <a:t>1º </a:t>
-            </a:r>
-            <a:r>
-              <a:rPr lang="es-ES" sz="1100" kern="100" dirty="0" err="1">
-                <a:effectLst/>
-                <a:latin typeface="Calibri" panose="020F0502020204030204" pitchFamily="34" charset="0"/>
-                <a:ea typeface="Calibri" panose="020F0502020204030204" pitchFamily="34" charset="0"/>
-                <a:cs typeface="Times New Roman" panose="02020603050405020304" pitchFamily="18" charset="0"/>
-              </a:rPr>
-              <a:t>imports</a:t>
-            </a:r>
-            <a:r>
-              <a:rPr lang="es-ES" sz="1100" kern="100" dirty="0">
-                <a:effectLst/>
-                <a:latin typeface="Calibri" panose="020F0502020204030204" pitchFamily="34" charset="0"/>
-                <a:ea typeface="Calibri" panose="020F0502020204030204" pitchFamily="34" charset="0"/>
-                <a:cs typeface="Times New Roman" panose="02020603050405020304" pitchFamily="18" charset="0"/>
-              </a:rPr>
-              <a:t>, </a:t>
-            </a:r>
-          </a:p>
-          <a:p>
-            <a:r>
-              <a:rPr lang="es-ES" sz="1100" kern="100" dirty="0">
-                <a:effectLst/>
-                <a:latin typeface="Calibri" panose="020F0502020204030204" pitchFamily="34" charset="0"/>
-                <a:ea typeface="Calibri" panose="020F0502020204030204" pitchFamily="34" charset="0"/>
-                <a:cs typeface="Times New Roman" panose="02020603050405020304" pitchFamily="18" charset="0"/>
-              </a:rPr>
-              <a:t>2º </a:t>
-            </a:r>
-            <a:r>
-              <a:rPr lang="es-ES" sz="1100" kern="100" dirty="0" err="1">
-                <a:effectLst/>
-                <a:latin typeface="Calibri" panose="020F0502020204030204" pitchFamily="34" charset="0"/>
-                <a:ea typeface="Calibri" panose="020F0502020204030204" pitchFamily="34" charset="0"/>
-                <a:cs typeface="Times New Roman" panose="02020603050405020304" pitchFamily="18" charset="0"/>
-              </a:rPr>
-              <a:t>template</a:t>
-            </a:r>
-            <a:r>
-              <a:rPr lang="es-ES" sz="1100" kern="100" dirty="0">
-                <a:effectLst/>
-                <a:latin typeface="Calibri" panose="020F0502020204030204" pitchFamily="34" charset="0"/>
-                <a:ea typeface="Calibri" panose="020F0502020204030204" pitchFamily="34" charset="0"/>
-                <a:cs typeface="Times New Roman" panose="02020603050405020304" pitchFamily="18" charset="0"/>
-              </a:rPr>
-              <a:t>, </a:t>
-            </a:r>
-          </a:p>
-          <a:p>
-            <a:r>
-              <a:rPr lang="es-ES" sz="1100" kern="100" dirty="0">
-                <a:effectLst/>
-                <a:latin typeface="Calibri" panose="020F0502020204030204" pitchFamily="34" charset="0"/>
-                <a:ea typeface="Calibri" panose="020F0502020204030204" pitchFamily="34" charset="0"/>
-                <a:cs typeface="Times New Roman" panose="02020603050405020304" pitchFamily="18" charset="0"/>
-              </a:rPr>
-              <a:t>3º </a:t>
-            </a:r>
-            <a:r>
-              <a:rPr lang="es-ES" sz="1100" kern="100" dirty="0" err="1">
-                <a:effectLst/>
-                <a:latin typeface="Calibri" panose="020F0502020204030204" pitchFamily="34" charset="0"/>
-                <a:ea typeface="Calibri" panose="020F0502020204030204" pitchFamily="34" charset="0"/>
-                <a:cs typeface="Times New Roman" panose="02020603050405020304" pitchFamily="18" charset="0"/>
-              </a:rPr>
-              <a:t>addlisteners</a:t>
-            </a:r>
-            <a:r>
-              <a:rPr lang="es-ES" sz="1100" kern="100" dirty="0">
-                <a:effectLst/>
-                <a:latin typeface="Calibri" panose="020F0502020204030204" pitchFamily="34" charset="0"/>
-                <a:ea typeface="Calibri" panose="020F0502020204030204" pitchFamily="34" charset="0"/>
-                <a:cs typeface="Times New Roman" panose="02020603050405020304" pitchFamily="18" charset="0"/>
-              </a:rPr>
-              <a:t> que inicia el juego (con funciones exportadas desde </a:t>
-            </a:r>
-            <a:r>
-              <a:rPr lang="es-ES" sz="1100" kern="100" dirty="0" err="1">
-                <a:effectLst/>
-                <a:latin typeface="Calibri" panose="020F0502020204030204" pitchFamily="34" charset="0"/>
-                <a:ea typeface="Calibri" panose="020F0502020204030204" pitchFamily="34" charset="0"/>
-                <a:cs typeface="Times New Roman" panose="02020603050405020304" pitchFamily="18" charset="0"/>
-              </a:rPr>
-              <a:t>components</a:t>
-            </a:r>
-            <a:r>
-              <a:rPr lang="es-ES" sz="1100" kern="100" dirty="0">
-                <a:effectLst/>
-                <a:latin typeface="Calibri" panose="020F0502020204030204" pitchFamily="34" charset="0"/>
-                <a:ea typeface="Calibri" panose="020F0502020204030204" pitchFamily="34" charset="0"/>
-                <a:cs typeface="Times New Roman" panose="02020603050405020304" pitchFamily="18" charset="0"/>
-              </a:rPr>
-              <a:t>) </a:t>
-            </a:r>
-          </a:p>
-          <a:p>
-            <a:r>
-              <a:rPr lang="es-ES" sz="1100" kern="100" dirty="0">
-                <a:effectLst/>
-                <a:latin typeface="Calibri" panose="020F0502020204030204" pitchFamily="34" charset="0"/>
-                <a:ea typeface="Calibri" panose="020F0502020204030204" pitchFamily="34" charset="0"/>
-                <a:cs typeface="Times New Roman" panose="02020603050405020304" pitchFamily="18" charset="0"/>
-              </a:rPr>
-              <a:t>y 4ª </a:t>
-            </a:r>
-            <a:r>
-              <a:rPr lang="es-ES" sz="1100" kern="100" dirty="0" err="1">
-                <a:effectLst/>
-                <a:latin typeface="Calibri" panose="020F0502020204030204" pitchFamily="34" charset="0"/>
-                <a:ea typeface="Calibri" panose="020F0502020204030204" pitchFamily="34" charset="0"/>
-                <a:cs typeface="Times New Roman" panose="02020603050405020304" pitchFamily="18" charset="0"/>
-              </a:rPr>
-              <a:t>export</a:t>
-            </a:r>
-            <a:r>
-              <a:rPr lang="es-ES" sz="1100" kern="100" dirty="0">
-                <a:effectLst/>
-                <a:latin typeface="Calibri" panose="020F0502020204030204" pitchFamily="34" charset="0"/>
-                <a:ea typeface="Calibri" panose="020F0502020204030204" pitchFamily="34" charset="0"/>
-                <a:cs typeface="Times New Roman" panose="02020603050405020304" pitchFamily="18" charset="0"/>
-              </a:rPr>
-              <a:t> </a:t>
-            </a:r>
-            <a:r>
-              <a:rPr lang="es-ES" sz="1100" kern="100" dirty="0" err="1">
-                <a:effectLst/>
-                <a:latin typeface="Calibri" panose="020F0502020204030204" pitchFamily="34" charset="0"/>
-                <a:ea typeface="Calibri" panose="020F0502020204030204" pitchFamily="34" charset="0"/>
-                <a:cs typeface="Times New Roman" panose="02020603050405020304" pitchFamily="18" charset="0"/>
-              </a:rPr>
-              <a:t>game</a:t>
-            </a:r>
-            <a:r>
-              <a:rPr lang="es-ES" sz="1100" kern="100" dirty="0">
-                <a:effectLst/>
-                <a:latin typeface="Calibri" panose="020F0502020204030204" pitchFamily="34" charset="0"/>
-                <a:ea typeface="Calibri" panose="020F0502020204030204" pitchFamily="34" charset="0"/>
-                <a:cs typeface="Times New Roman" panose="02020603050405020304" pitchFamily="18" charset="0"/>
-              </a:rPr>
-              <a:t>.</a:t>
-            </a:r>
-          </a:p>
-          <a:p>
-            <a:r>
-              <a:rPr lang="es-ES" sz="1100" kern="100" dirty="0">
-                <a:effectLst/>
-                <a:latin typeface="Calibri" panose="020F0502020204030204" pitchFamily="34" charset="0"/>
-                <a:ea typeface="Calibri" panose="020F0502020204030204" pitchFamily="34" charset="0"/>
-                <a:cs typeface="Times New Roman" panose="02020603050405020304" pitchFamily="18" charset="0"/>
-              </a:rPr>
-              <a:t>De esta forma, el código es más legible y sobre todo, es muy escalable, ya que como todos los juegos comparten maquetación y componentes, c</a:t>
-            </a:r>
-            <a:r>
-              <a:rPr lang="es-ES" sz="1100" dirty="0">
-                <a:effectLst/>
-                <a:latin typeface="Calibri" panose="020F0502020204030204" pitchFamily="34" charset="0"/>
-                <a:ea typeface="Calibri" panose="020F0502020204030204" pitchFamily="34" charset="0"/>
-                <a:cs typeface="Times New Roman" panose="02020603050405020304" pitchFamily="18" charset="0"/>
-              </a:rPr>
-              <a:t>rear uno nuevo que se vea igual implica únicamente crear la lógica, ya que a nivel de estilos y componentes se monta igual que el resto.</a:t>
-            </a:r>
-            <a:r>
-              <a:rPr lang="es-ES" dirty="0">
-                <a:effectLst/>
-              </a:rPr>
-              <a:t> </a:t>
-            </a:r>
+              <a:rPr lang="es-ES" dirty="0"/>
+              <a:t>Todo esto se traduce en que, aunque cada juego tiene un tablero diferente por sus propias características, visualmente todos son iguales.</a:t>
+            </a:r>
+            <a:endParaRPr lang="es-ES" sz="1200" kern="100" dirty="0">
+              <a:effectLst/>
+              <a:latin typeface="Calibri" panose="020F0502020204030204" pitchFamily="34" charset="0"/>
+              <a:ea typeface="Calibri" panose="020F0502020204030204" pitchFamily="34" charset="0"/>
+              <a:cs typeface="Times New Roman" panose="02020603050405020304" pitchFamily="18" charset="0"/>
+            </a:endParaRPr>
+          </a:p>
+          <a:p>
             <a:endParaRPr lang="es-ES_tradnl" dirty="0"/>
           </a:p>
         </p:txBody>
@@ -1694,7 +1384,7 @@
     </p:spTree>
     <p:extLst>
       <p:ext uri="{BB962C8B-B14F-4D97-AF65-F5344CB8AC3E}">
-        <p14:creationId xmlns:p14="http://schemas.microsoft.com/office/powerpoint/2010/main" val="3593608280"/>
+        <p14:creationId xmlns:p14="http://schemas.microsoft.com/office/powerpoint/2010/main" val="2350795744"/>
       </p:ext>
     </p:extLst>
   </p:cSld>
@@ -1748,6 +1438,197 @@
           <a:bodyPr/>
           <a:lstStyle/>
           <a:p>
+            <a:r>
+              <a:rPr lang="es-ES_tradnl" dirty="0"/>
+              <a:t>Por otro lado, en cuanto a </a:t>
+            </a:r>
+            <a:r>
+              <a:rPr lang="es-ES" sz="1100" kern="100" dirty="0">
+                <a:effectLst/>
+                <a:latin typeface="Calibri" panose="020F0502020204030204" pitchFamily="34" charset="0"/>
+                <a:ea typeface="Calibri" panose="020F0502020204030204" pitchFamily="34" charset="0"/>
+                <a:cs typeface="Times New Roman" panose="02020603050405020304" pitchFamily="18" charset="0"/>
+              </a:rPr>
+              <a:t>programación todos los juegos tienen la misma estructura de archivo: </a:t>
+            </a:r>
+          </a:p>
+          <a:p>
+            <a:r>
+              <a:rPr lang="es-ES" sz="1100" kern="100" dirty="0">
+                <a:effectLst/>
+                <a:latin typeface="Calibri" panose="020F0502020204030204" pitchFamily="34" charset="0"/>
+                <a:ea typeface="Calibri" panose="020F0502020204030204" pitchFamily="34" charset="0"/>
+                <a:cs typeface="Times New Roman" panose="02020603050405020304" pitchFamily="18" charset="0"/>
+              </a:rPr>
+              <a:t>1º </a:t>
+            </a:r>
+            <a:r>
+              <a:rPr lang="es-ES" sz="1100" kern="100" dirty="0" err="1">
+                <a:effectLst/>
+                <a:latin typeface="Calibri" panose="020F0502020204030204" pitchFamily="34" charset="0"/>
+                <a:ea typeface="Calibri" panose="020F0502020204030204" pitchFamily="34" charset="0"/>
+                <a:cs typeface="Times New Roman" panose="02020603050405020304" pitchFamily="18" charset="0"/>
+              </a:rPr>
+              <a:t>imports</a:t>
+            </a:r>
+            <a:r>
+              <a:rPr lang="es-ES" sz="1100" kern="100" dirty="0">
+                <a:effectLst/>
+                <a:latin typeface="Calibri" panose="020F0502020204030204" pitchFamily="34" charset="0"/>
+                <a:ea typeface="Calibri" panose="020F0502020204030204" pitchFamily="34" charset="0"/>
+                <a:cs typeface="Times New Roman" panose="02020603050405020304" pitchFamily="18" charset="0"/>
+              </a:rPr>
+              <a:t>, </a:t>
+            </a:r>
+          </a:p>
+          <a:p>
+            <a:r>
+              <a:rPr lang="es-ES" sz="1100" kern="100" dirty="0">
+                <a:effectLst/>
+                <a:latin typeface="Calibri" panose="020F0502020204030204" pitchFamily="34" charset="0"/>
+                <a:ea typeface="Calibri" panose="020F0502020204030204" pitchFamily="34" charset="0"/>
+                <a:cs typeface="Times New Roman" panose="02020603050405020304" pitchFamily="18" charset="0"/>
+              </a:rPr>
+              <a:t>2º </a:t>
+            </a:r>
+            <a:r>
+              <a:rPr lang="es-ES" sz="1100" kern="100" dirty="0" err="1">
+                <a:effectLst/>
+                <a:latin typeface="Calibri" panose="020F0502020204030204" pitchFamily="34" charset="0"/>
+                <a:ea typeface="Calibri" panose="020F0502020204030204" pitchFamily="34" charset="0"/>
+                <a:cs typeface="Times New Roman" panose="02020603050405020304" pitchFamily="18" charset="0"/>
+              </a:rPr>
+              <a:t>template</a:t>
+            </a:r>
+            <a:r>
+              <a:rPr lang="es-ES" sz="1100" kern="100" dirty="0">
+                <a:effectLst/>
+                <a:latin typeface="Calibri" panose="020F0502020204030204" pitchFamily="34" charset="0"/>
+                <a:ea typeface="Calibri" panose="020F0502020204030204" pitchFamily="34" charset="0"/>
+                <a:cs typeface="Times New Roman" panose="02020603050405020304" pitchFamily="18" charset="0"/>
+              </a:rPr>
+              <a:t>, </a:t>
+            </a:r>
+          </a:p>
+          <a:p>
+            <a:r>
+              <a:rPr lang="es-ES" sz="1100" kern="100" dirty="0">
+                <a:effectLst/>
+                <a:latin typeface="Calibri" panose="020F0502020204030204" pitchFamily="34" charset="0"/>
+                <a:ea typeface="Calibri" panose="020F0502020204030204" pitchFamily="34" charset="0"/>
+                <a:cs typeface="Times New Roman" panose="02020603050405020304" pitchFamily="18" charset="0"/>
+              </a:rPr>
+              <a:t>3º </a:t>
+            </a:r>
+            <a:r>
+              <a:rPr lang="es-ES" sz="1100" kern="100" dirty="0" err="1">
+                <a:effectLst/>
+                <a:latin typeface="Calibri" panose="020F0502020204030204" pitchFamily="34" charset="0"/>
+                <a:ea typeface="Calibri" panose="020F0502020204030204" pitchFamily="34" charset="0"/>
+                <a:cs typeface="Times New Roman" panose="02020603050405020304" pitchFamily="18" charset="0"/>
+              </a:rPr>
+              <a:t>addlisteners</a:t>
+            </a:r>
+            <a:r>
+              <a:rPr lang="es-ES" sz="1100" kern="100" dirty="0">
+                <a:effectLst/>
+                <a:latin typeface="Calibri" panose="020F0502020204030204" pitchFamily="34" charset="0"/>
+                <a:ea typeface="Calibri" panose="020F0502020204030204" pitchFamily="34" charset="0"/>
+                <a:cs typeface="Times New Roman" panose="02020603050405020304" pitchFamily="18" charset="0"/>
+              </a:rPr>
+              <a:t> que inicia el juego (con funciones exportadas desde </a:t>
+            </a:r>
+            <a:r>
+              <a:rPr lang="es-ES" sz="1100" kern="100" dirty="0" err="1">
+                <a:effectLst/>
+                <a:latin typeface="Calibri" panose="020F0502020204030204" pitchFamily="34" charset="0"/>
+                <a:ea typeface="Calibri" panose="020F0502020204030204" pitchFamily="34" charset="0"/>
+                <a:cs typeface="Times New Roman" panose="02020603050405020304" pitchFamily="18" charset="0"/>
+              </a:rPr>
+              <a:t>components</a:t>
+            </a:r>
+            <a:r>
+              <a:rPr lang="es-ES" sz="1100" kern="100" dirty="0">
+                <a:effectLst/>
+                <a:latin typeface="Calibri" panose="020F0502020204030204" pitchFamily="34" charset="0"/>
+                <a:ea typeface="Calibri" panose="020F0502020204030204" pitchFamily="34" charset="0"/>
+                <a:cs typeface="Times New Roman" panose="02020603050405020304" pitchFamily="18" charset="0"/>
+              </a:rPr>
+              <a:t>) </a:t>
+            </a:r>
+          </a:p>
+          <a:p>
+            <a:r>
+              <a:rPr lang="es-ES" sz="1100" kern="100" dirty="0">
+                <a:effectLst/>
+                <a:latin typeface="Calibri" panose="020F0502020204030204" pitchFamily="34" charset="0"/>
+                <a:ea typeface="Calibri" panose="020F0502020204030204" pitchFamily="34" charset="0"/>
+                <a:cs typeface="Times New Roman" panose="02020603050405020304" pitchFamily="18" charset="0"/>
+              </a:rPr>
+              <a:t>y 4ª </a:t>
+            </a:r>
+            <a:r>
+              <a:rPr lang="es-ES" sz="1100" kern="100" dirty="0" err="1">
+                <a:effectLst/>
+                <a:latin typeface="Calibri" panose="020F0502020204030204" pitchFamily="34" charset="0"/>
+                <a:ea typeface="Calibri" panose="020F0502020204030204" pitchFamily="34" charset="0"/>
+                <a:cs typeface="Times New Roman" panose="02020603050405020304" pitchFamily="18" charset="0"/>
+              </a:rPr>
+              <a:t>export</a:t>
+            </a:r>
+            <a:r>
+              <a:rPr lang="es-ES" sz="1100" kern="100" dirty="0">
+                <a:effectLst/>
+                <a:latin typeface="Calibri" panose="020F0502020204030204" pitchFamily="34" charset="0"/>
+                <a:ea typeface="Calibri" panose="020F0502020204030204" pitchFamily="34" charset="0"/>
+                <a:cs typeface="Times New Roman" panose="02020603050405020304" pitchFamily="18" charset="0"/>
+              </a:rPr>
+              <a:t> </a:t>
+            </a:r>
+            <a:r>
+              <a:rPr lang="es-ES" sz="1100" kern="100" dirty="0" err="1">
+                <a:effectLst/>
+                <a:latin typeface="Calibri" panose="020F0502020204030204" pitchFamily="34" charset="0"/>
+                <a:ea typeface="Calibri" panose="020F0502020204030204" pitchFamily="34" charset="0"/>
+                <a:cs typeface="Times New Roman" panose="02020603050405020304" pitchFamily="18" charset="0"/>
+              </a:rPr>
+              <a:t>game</a:t>
+            </a:r>
+            <a:r>
+              <a:rPr lang="es-ES" sz="1100" kern="100" dirty="0">
+                <a:effectLst/>
+                <a:latin typeface="Calibri" panose="020F0502020204030204" pitchFamily="34" charset="0"/>
+                <a:ea typeface="Calibri" panose="020F0502020204030204" pitchFamily="34" charset="0"/>
+                <a:cs typeface="Times New Roman" panose="02020603050405020304" pitchFamily="18" charset="0"/>
+              </a:rPr>
+              <a:t>.</a:t>
+            </a:r>
+          </a:p>
+          <a:p>
+            <a:r>
+              <a:rPr lang="es-ES" sz="1100" kern="100" dirty="0">
+                <a:effectLst/>
+                <a:latin typeface="Calibri" panose="020F0502020204030204" pitchFamily="34" charset="0"/>
+                <a:ea typeface="Calibri" panose="020F0502020204030204" pitchFamily="34" charset="0"/>
+                <a:cs typeface="Times New Roman" panose="02020603050405020304" pitchFamily="18" charset="0"/>
+              </a:rPr>
+              <a:t>De esta forma, el código es más legible y sobre todo, es muy escalable, ya que como todos los juegos comparten maquetación y componentes, c</a:t>
+            </a:r>
+            <a:r>
+              <a:rPr lang="es-ES" sz="1100" dirty="0">
+                <a:effectLst/>
+                <a:latin typeface="Calibri" panose="020F0502020204030204" pitchFamily="34" charset="0"/>
+                <a:ea typeface="Calibri" panose="020F0502020204030204" pitchFamily="34" charset="0"/>
+                <a:cs typeface="Times New Roman" panose="02020603050405020304" pitchFamily="18" charset="0"/>
+              </a:rPr>
+              <a:t>rear uno nuevo que se vea igual implica únicamente crear la lógica, ya que a nivel de estilos y componentes se monta igual que el resto.</a:t>
+            </a:r>
+            <a:r>
+              <a:rPr lang="es-ES" dirty="0">
+                <a:effectLst/>
+              </a:rPr>
+              <a:t> </a:t>
+            </a:r>
             <a:endParaRPr lang="es-ES_tradnl" dirty="0"/>
           </a:p>
         </p:txBody>
@@ -1759,7 +1640,7 @@
             <a:spLocks noGrp="1"/>
           </p:cNvSpPr>
           <p:nvPr>
-            <p:ph type="sldNum" sz="quarter" idx="10"/>
+            <p:ph type="sldNum" sz="quarter" idx="5"/>
           </p:nvPr>
         </p:nvSpPr>
         <p:spPr/>
@@ -1769,7 +1650,91 @@
           <a:p>
             <a:fld id="{1886F791-D41D-8F46-ACFB-3D9C5F9923C0}" type="slidenum">
               <a:rPr lang="es-ES_tradnl" smtClean="0"/>
-              <a:t>20</a:t>
+              <a:t>18</a:t>
+            </a:fld>
+            <a:endParaRPr lang="es-ES_tradnl"/>
+          </a:p>
+        </p:txBody>
+      </p:sp>
+    </p:spTree>
+    <p:extLst>
+      <p:ext uri="{BB962C8B-B14F-4D97-AF65-F5344CB8AC3E}">
+        <p14:creationId xmlns:p14="http://schemas.microsoft.com/office/powerpoint/2010/main" val="3593608280"/>
+      </p:ext>
+    </p:extLst>
+  </p:cSld>
+  <p:clrMapOvr>
+    <a:masterClrMapping/>
+  </p:clrMapOvr>
+</p:notes>
+</file>
+
+<file path=ppt/notesSlides/notesSlide18.xml><?xml version="1.0" encoding="utf-8"?>
+<p:notes xmlns:a="http://schemas.openxmlformats.org/drawingml/2006/main" xmlns:r="http://schemas.openxmlformats.org/officeDocument/2006/relationships" xmlns:p="http://schemas.openxmlformats.org/presentationml/2006/main">
+  <p:cSld>
+    <p:spTree>
+      <p:nvGrpSpPr>
+        <p:cNvPr id="1" name=""/>
+        <p:cNvGrpSpPr/>
+        <p:nvPr/>
+      </p:nvGrpSpPr>
+      <p:grpSpPr>
+        <a:xfrm>
+          <a:off x="0" y="0"/>
+          <a:ext cx="0" cy="0"/>
+          <a:chOff x="0" y="0"/>
+          <a:chExt cx="0" cy="0"/>
+        </a:xfrm>
+      </p:grpSpPr>
+      <p:sp>
+        <p:nvSpPr>
+          <p:cNvPr id="2" name="Marcador de imagen de diapositiva 1"/>
+          <p:cNvSpPr>
+            <a:spLocks noGrp="1" noRot="1" noChangeAspect="1"/>
+          </p:cNvSpPr>
+          <p:nvPr>
+            <p:ph type="sldImg"/>
+          </p:nvPr>
+        </p:nvSpPr>
+        <p:spPr/>
+      </p:sp>
+      <p:sp>
+        <p:nvSpPr>
+          <p:cNvPr id="3" name="Marcador de notas 2"/>
+          <p:cNvSpPr>
+            <a:spLocks noGrp="1"/>
+          </p:cNvSpPr>
+          <p:nvPr>
+            <p:ph type="body" idx="1"/>
+          </p:nvPr>
+        </p:nvSpPr>
+        <p:spPr/>
+        <p:txBody>
+          <a:bodyPr/>
+          <a:lstStyle/>
+          <a:p>
+            <a:endParaRPr lang="es-ES_tradnl" dirty="0"/>
+          </a:p>
+        </p:txBody>
+      </p:sp>
+      <p:sp>
+        <p:nvSpPr>
+          <p:cNvPr id="4" name="Marcador de número de diapositiva 3"/>
+          <p:cNvSpPr>
+            <a:spLocks noGrp="1"/>
+          </p:cNvSpPr>
+          <p:nvPr>
+            <p:ph type="sldNum" sz="quarter" idx="10"/>
+          </p:nvPr>
+        </p:nvSpPr>
+        <p:spPr/>
+        <p:txBody>
+          <a:bodyPr/>
+          <a:lstStyle/>
+          <a:p>
+            <a:fld id="{1886F791-D41D-8F46-ACFB-3D9C5F9923C0}" type="slidenum">
+              <a:rPr lang="es-ES_tradnl" smtClean="0"/>
+              <a:t>21</a:t>
             </a:fld>
             <a:endParaRPr lang="es-ES_tradnl"/>
           </a:p>
@@ -7137,7 +7102,7 @@
           <a:p>
             <a:r>
               <a:rPr lang="es-ES" dirty="0"/>
-              <a:t>Simplicidad del código (II)</a:t>
+              <a:t>Simplicidad del código </a:t>
             </a:r>
             <a:endParaRPr lang="es-ES_tradnl" b="1" dirty="0"/>
           </a:p>
@@ -7181,10 +7146,10 @@
       </p:pic>
       <p:pic>
         <p:nvPicPr>
-          <p:cNvPr id="6" name="Imagen 5" descr="Texto&#10;&#10;Descripción generada automáticamente">
+          <p:cNvPr id="6" name="Imagen 5" descr="Interfaz de usuario gráfica, Aplicación&#10;&#10;Descripción generada automáticamente">
             <a:extLst>
               <a:ext uri="{FF2B5EF4-FFF2-40B4-BE49-F238E27FC236}">
-                <a16:creationId xmlns:a16="http://schemas.microsoft.com/office/drawing/2014/main" id="{03FFFF09-75D7-E866-C2BF-9D2BAEF57752}"/>
+                <a16:creationId xmlns:a16="http://schemas.microsoft.com/office/drawing/2014/main" id="{FF11BC88-FE06-5BBB-F0F0-95F2D2F14F4C}"/>
               </a:ext>
             </a:extLst>
           </p:cNvPr>
@@ -7201,8 +7166,8 @@
         </p:blipFill>
         <p:spPr>
           <a:xfrm>
-            <a:off x="890079" y="1582964"/>
-            <a:ext cx="4751683" cy="659956"/>
+            <a:off x="1155700" y="1841500"/>
+            <a:ext cx="4940300" cy="5016500"/>
           </a:xfrm>
           <a:prstGeom prst="rect">
             <a:avLst/>
@@ -7211,10 +7176,10 @@
       </p:pic>
       <p:pic>
         <p:nvPicPr>
-          <p:cNvPr id="10" name="Imagen 9" descr="Texto&#10;&#10;Descripción generada automáticamente">
+          <p:cNvPr id="10" name="Imagen 9" descr="Interfaz de usuario gráfica, Aplicación&#10;&#10;Descripción generada automáticamente">
             <a:extLst>
               <a:ext uri="{FF2B5EF4-FFF2-40B4-BE49-F238E27FC236}">
-                <a16:creationId xmlns:a16="http://schemas.microsoft.com/office/drawing/2014/main" id="{D1C2754E-D5EA-B7EB-3173-32FF0F0F5D65}"/>
+                <a16:creationId xmlns:a16="http://schemas.microsoft.com/office/drawing/2014/main" id="{D3BE92CE-4BD1-E853-123C-46E9B5C11860}"/>
               </a:ext>
             </a:extLst>
           </p:cNvPr>
@@ -7231,68 +7196,8 @@
         </p:blipFill>
         <p:spPr>
           <a:xfrm>
-            <a:off x="3539852" y="2573631"/>
-            <a:ext cx="2594732" cy="985998"/>
-          </a:xfrm>
-          <a:prstGeom prst="rect">
-            <a:avLst/>
-          </a:prstGeom>
-        </p:spPr>
-      </p:pic>
-      <p:pic>
-        <p:nvPicPr>
-          <p:cNvPr id="12" name="Imagen 11">
-            <a:extLst>
-              <a:ext uri="{FF2B5EF4-FFF2-40B4-BE49-F238E27FC236}">
-                <a16:creationId xmlns:a16="http://schemas.microsoft.com/office/drawing/2014/main" id="{09A59F29-04E7-E6F2-8869-C98787A5D275}"/>
-              </a:ext>
-            </a:extLst>
-          </p:cNvPr>
-          <p:cNvPicPr>
-            <a:picLocks noChangeAspect="1"/>
-          </p:cNvPicPr>
-          <p:nvPr/>
-        </p:nvPicPr>
-        <p:blipFill>
-          <a:blip r:embed="rId6"/>
-          <a:stretch>
-            <a:fillRect/>
-          </a:stretch>
-        </p:blipFill>
-        <p:spPr>
-          <a:xfrm>
-            <a:off x="5176687" y="3890340"/>
-            <a:ext cx="2967284" cy="443706"/>
-          </a:xfrm>
-          <a:prstGeom prst="rect">
-            <a:avLst/>
-          </a:prstGeom>
-        </p:spPr>
-      </p:pic>
-      <p:pic>
-        <p:nvPicPr>
-          <p:cNvPr id="14" name="Imagen 13" descr="Texto&#10;&#10;Descripción generada automáticamente">
-            <a:extLst>
-              <a:ext uri="{FF2B5EF4-FFF2-40B4-BE49-F238E27FC236}">
-                <a16:creationId xmlns:a16="http://schemas.microsoft.com/office/drawing/2014/main" id="{F16E0A20-8934-8A3E-4A6D-2B594BE90B9B}"/>
-              </a:ext>
-            </a:extLst>
-          </p:cNvPr>
-          <p:cNvPicPr>
-            <a:picLocks noChangeAspect="1"/>
-          </p:cNvPicPr>
-          <p:nvPr/>
-        </p:nvPicPr>
-        <p:blipFill>
-          <a:blip r:embed="rId7"/>
-          <a:stretch>
-            <a:fillRect/>
-          </a:stretch>
-        </p:blipFill>
-        <p:spPr>
-          <a:xfrm>
-            <a:off x="6852738" y="4876802"/>
-            <a:ext cx="4777064" cy="868557"/>
+            <a:off x="6201228" y="1809750"/>
+            <a:ext cx="5664200" cy="5080000"/>
           </a:xfrm>
           <a:prstGeom prst="rect">
             <a:avLst/>
@@ -7302,7 +7207,7 @@
     </p:spTree>
     <p:extLst>
       <p:ext uri="{BB962C8B-B14F-4D97-AF65-F5344CB8AC3E}">
-        <p14:creationId xmlns:p14="http://schemas.microsoft.com/office/powerpoint/2010/main" val="3039082050"/>
+        <p14:creationId xmlns:p14="http://schemas.microsoft.com/office/powerpoint/2010/main" val="1918396675"/>
       </p:ext>
     </p:extLst>
   </p:cSld>
@@ -7352,6 +7257,222 @@
           <a:lstStyle/>
           <a:p>
             <a:r>
+              <a:rPr lang="es-ES" dirty="0"/>
+              <a:t>Simplicidad del código (II)</a:t>
+            </a:r>
+            <a:endParaRPr lang="es-ES_tradnl" b="1" dirty="0"/>
+          </a:p>
+        </p:txBody>
+      </p:sp>
+      <p:pic>
+        <p:nvPicPr>
+          <p:cNvPr id="4" name="Imagen 3" descr="Logotipo&#10;&#10;Descripción generada automáticamente">
+            <a:extLst>
+              <a:ext uri="{FF2B5EF4-FFF2-40B4-BE49-F238E27FC236}">
+                <a16:creationId xmlns:a16="http://schemas.microsoft.com/office/drawing/2014/main" id="{F1907A88-8409-43CE-1830-78AB18FA06AC}"/>
+              </a:ext>
+            </a:extLst>
+          </p:cNvPr>
+          <p:cNvPicPr>
+            <a:picLocks noChangeAspect="1"/>
+          </p:cNvPicPr>
+          <p:nvPr/>
+        </p:nvPicPr>
+        <p:blipFill>
+          <a:blip r:embed="rId3">
+            <a:extLst>
+              <a:ext uri="{28A0092B-C50C-407E-A947-70E740481C1C}">
+                <a14:useLocalDpi xmlns:a14="http://schemas.microsoft.com/office/drawing/2010/main" val="0"/>
+              </a:ext>
+            </a:extLst>
+          </a:blip>
+          <a:stretch>
+            <a:fillRect/>
+          </a:stretch>
+        </p:blipFill>
+        <p:spPr>
+          <a:xfrm>
+            <a:off x="838200" y="358081"/>
+            <a:ext cx="939181" cy="939181"/>
+          </a:xfrm>
+          <a:prstGeom prst="rect">
+            <a:avLst/>
+          </a:prstGeom>
+        </p:spPr>
+      </p:pic>
+      <p:pic>
+        <p:nvPicPr>
+          <p:cNvPr id="6" name="Imagen 5" descr="Texto&#10;&#10;Descripción generada automáticamente">
+            <a:extLst>
+              <a:ext uri="{FF2B5EF4-FFF2-40B4-BE49-F238E27FC236}">
+                <a16:creationId xmlns:a16="http://schemas.microsoft.com/office/drawing/2014/main" id="{03FFFF09-75D7-E866-C2BF-9D2BAEF57752}"/>
+              </a:ext>
+            </a:extLst>
+          </p:cNvPr>
+          <p:cNvPicPr>
+            <a:picLocks noChangeAspect="1"/>
+          </p:cNvPicPr>
+          <p:nvPr/>
+        </p:nvPicPr>
+        <p:blipFill>
+          <a:blip r:embed="rId4"/>
+          <a:stretch>
+            <a:fillRect/>
+          </a:stretch>
+        </p:blipFill>
+        <p:spPr>
+          <a:xfrm>
+            <a:off x="890079" y="1582964"/>
+            <a:ext cx="4751683" cy="659956"/>
+          </a:xfrm>
+          <a:prstGeom prst="rect">
+            <a:avLst/>
+          </a:prstGeom>
+        </p:spPr>
+      </p:pic>
+      <p:pic>
+        <p:nvPicPr>
+          <p:cNvPr id="10" name="Imagen 9" descr="Texto&#10;&#10;Descripción generada automáticamente">
+            <a:extLst>
+              <a:ext uri="{FF2B5EF4-FFF2-40B4-BE49-F238E27FC236}">
+                <a16:creationId xmlns:a16="http://schemas.microsoft.com/office/drawing/2014/main" id="{D1C2754E-D5EA-B7EB-3173-32FF0F0F5D65}"/>
+              </a:ext>
+            </a:extLst>
+          </p:cNvPr>
+          <p:cNvPicPr>
+            <a:picLocks noChangeAspect="1"/>
+          </p:cNvPicPr>
+          <p:nvPr/>
+        </p:nvPicPr>
+        <p:blipFill>
+          <a:blip r:embed="rId5"/>
+          <a:stretch>
+            <a:fillRect/>
+          </a:stretch>
+        </p:blipFill>
+        <p:spPr>
+          <a:xfrm>
+            <a:off x="3539852" y="2573631"/>
+            <a:ext cx="2594732" cy="985998"/>
+          </a:xfrm>
+          <a:prstGeom prst="rect">
+            <a:avLst/>
+          </a:prstGeom>
+        </p:spPr>
+      </p:pic>
+      <p:pic>
+        <p:nvPicPr>
+          <p:cNvPr id="12" name="Imagen 11">
+            <a:extLst>
+              <a:ext uri="{FF2B5EF4-FFF2-40B4-BE49-F238E27FC236}">
+                <a16:creationId xmlns:a16="http://schemas.microsoft.com/office/drawing/2014/main" id="{09A59F29-04E7-E6F2-8869-C98787A5D275}"/>
+              </a:ext>
+            </a:extLst>
+          </p:cNvPr>
+          <p:cNvPicPr>
+            <a:picLocks noChangeAspect="1"/>
+          </p:cNvPicPr>
+          <p:nvPr/>
+        </p:nvPicPr>
+        <p:blipFill>
+          <a:blip r:embed="rId6"/>
+          <a:stretch>
+            <a:fillRect/>
+          </a:stretch>
+        </p:blipFill>
+        <p:spPr>
+          <a:xfrm>
+            <a:off x="5176687" y="3890340"/>
+            <a:ext cx="2967284" cy="443706"/>
+          </a:xfrm>
+          <a:prstGeom prst="rect">
+            <a:avLst/>
+          </a:prstGeom>
+        </p:spPr>
+      </p:pic>
+      <p:pic>
+        <p:nvPicPr>
+          <p:cNvPr id="14" name="Imagen 13" descr="Texto&#10;&#10;Descripción generada automáticamente">
+            <a:extLst>
+              <a:ext uri="{FF2B5EF4-FFF2-40B4-BE49-F238E27FC236}">
+                <a16:creationId xmlns:a16="http://schemas.microsoft.com/office/drawing/2014/main" id="{F16E0A20-8934-8A3E-4A6D-2B594BE90B9B}"/>
+              </a:ext>
+            </a:extLst>
+          </p:cNvPr>
+          <p:cNvPicPr>
+            <a:picLocks noChangeAspect="1"/>
+          </p:cNvPicPr>
+          <p:nvPr/>
+        </p:nvPicPr>
+        <p:blipFill>
+          <a:blip r:embed="rId7"/>
+          <a:stretch>
+            <a:fillRect/>
+          </a:stretch>
+        </p:blipFill>
+        <p:spPr>
+          <a:xfrm>
+            <a:off x="6852738" y="4876802"/>
+            <a:ext cx="4777064" cy="868557"/>
+          </a:xfrm>
+          <a:prstGeom prst="rect">
+            <a:avLst/>
+          </a:prstGeom>
+        </p:spPr>
+      </p:pic>
+    </p:spTree>
+    <p:extLst>
+      <p:ext uri="{BB962C8B-B14F-4D97-AF65-F5344CB8AC3E}">
+        <p14:creationId xmlns:p14="http://schemas.microsoft.com/office/powerpoint/2010/main" val="3039082050"/>
+      </p:ext>
+    </p:extLst>
+  </p:cSld>
+  <p:clrMapOvr>
+    <a:masterClrMapping/>
+  </p:clrMapOvr>
+</p:sld>
+</file>
+
+<file path=ppt/slides/slide19.xml><?xml version="1.0" encoding="utf-8"?>
+<p:sld xmlns:a="http://schemas.openxmlformats.org/drawingml/2006/main" xmlns:r="http://schemas.openxmlformats.org/officeDocument/2006/relationships" xmlns:p="http://schemas.openxmlformats.org/presentationml/2006/main">
+  <p:cSld>
+    <p:spTree>
+      <p:nvGrpSpPr>
+        <p:cNvPr id="1" name=""/>
+        <p:cNvGrpSpPr/>
+        <p:nvPr/>
+      </p:nvGrpSpPr>
+      <p:grpSpPr>
+        <a:xfrm>
+          <a:off x="0" y="0"/>
+          <a:ext cx="0" cy="0"/>
+          <a:chOff x="0" y="0"/>
+          <a:chExt cx="0" cy="0"/>
+        </a:xfrm>
+      </p:grpSpPr>
+      <p:sp>
+        <p:nvSpPr>
+          <p:cNvPr id="2" name="Título 1"/>
+          <p:cNvSpPr>
+            <a:spLocks noGrp="1"/>
+          </p:cNvSpPr>
+          <p:nvPr>
+            <p:ph type="title"/>
+          </p:nvPr>
+        </p:nvSpPr>
+        <p:spPr>
+          <a:xfrm>
+            <a:off x="2033081" y="605818"/>
+            <a:ext cx="9832347" cy="443706"/>
+          </a:xfrm>
+        </p:spPr>
+        <p:txBody>
+          <a:bodyPr>
+            <a:normAutofit fontScale="90000"/>
+          </a:bodyPr>
+          <a:lstStyle/>
+          <a:p>
+            <a:r>
               <a:rPr lang="es-ES_tradnl" b="1" dirty="0"/>
               <a:t>Conclusiones</a:t>
             </a:r>
@@ -7563,7 +7684,239 @@
 </p:sld>
 </file>
 
-<file path=ppt/slides/slide19.xml><?xml version="1.0" encoding="utf-8"?>
+<file path=ppt/slides/slide2.xml><?xml version="1.0" encoding="utf-8"?>
+<p:sld xmlns:a="http://schemas.openxmlformats.org/drawingml/2006/main" xmlns:r="http://schemas.openxmlformats.org/officeDocument/2006/relationships" xmlns:p="http://schemas.openxmlformats.org/presentationml/2006/main">
+  <p:cSld>
+    <p:spTree>
+      <p:nvGrpSpPr>
+        <p:cNvPr id="1" name=""/>
+        <p:cNvGrpSpPr/>
+        <p:nvPr/>
+      </p:nvGrpSpPr>
+      <p:grpSpPr>
+        <a:xfrm>
+          <a:off x="0" y="0"/>
+          <a:ext cx="0" cy="0"/>
+          <a:chOff x="0" y="0"/>
+          <a:chExt cx="0" cy="0"/>
+        </a:xfrm>
+      </p:grpSpPr>
+      <p:sp>
+        <p:nvSpPr>
+          <p:cNvPr id="2" name="Título 1"/>
+          <p:cNvSpPr>
+            <a:spLocks noGrp="1"/>
+          </p:cNvSpPr>
+          <p:nvPr>
+            <p:ph type="title"/>
+          </p:nvPr>
+        </p:nvSpPr>
+        <p:spPr>
+          <a:xfrm>
+            <a:off x="2033081" y="605818"/>
+            <a:ext cx="9832347" cy="443706"/>
+          </a:xfrm>
+        </p:spPr>
+        <p:txBody>
+          <a:bodyPr>
+            <a:normAutofit fontScale="90000"/>
+          </a:bodyPr>
+          <a:lstStyle/>
+          <a:p>
+            <a:r>
+              <a:rPr lang="es-ES_tradnl" b="1" dirty="0"/>
+              <a:t>Contenidos</a:t>
+            </a:r>
+          </a:p>
+        </p:txBody>
+      </p:sp>
+      <p:sp>
+        <p:nvSpPr>
+          <p:cNvPr id="3" name="Marcador de contenido 2"/>
+          <p:cNvSpPr>
+            <a:spLocks noGrp="1"/>
+          </p:cNvSpPr>
+          <p:nvPr>
+            <p:ph idx="1"/>
+          </p:nvPr>
+        </p:nvSpPr>
+        <p:spPr>
+          <a:xfrm>
+            <a:off x="1777380" y="1495311"/>
+            <a:ext cx="9576419" cy="4411663"/>
+          </a:xfrm>
+        </p:spPr>
+        <p:txBody>
+          <a:bodyPr>
+            <a:normAutofit fontScale="85000" lnSpcReduction="20000"/>
+          </a:bodyPr>
+          <a:lstStyle/>
+          <a:p>
+            <a:pPr>
+              <a:lnSpc>
+                <a:spcPct val="150000"/>
+              </a:lnSpc>
+              <a:buSzPct val="80000"/>
+              <a:buFont typeface="Wingdings" charset="2"/>
+              <a:buChar char="§"/>
+            </a:pPr>
+            <a:r>
+              <a:rPr lang="es-ES_tradnl" dirty="0"/>
+              <a:t>Introducción</a:t>
+            </a:r>
+          </a:p>
+          <a:p>
+            <a:pPr>
+              <a:lnSpc>
+                <a:spcPct val="150000"/>
+              </a:lnSpc>
+              <a:buSzPct val="80000"/>
+              <a:buFont typeface="Wingdings" charset="2"/>
+              <a:buChar char="§"/>
+            </a:pPr>
+            <a:r>
+              <a:rPr lang="es-ES" dirty="0"/>
+              <a:t>Presentación de la App</a:t>
+            </a:r>
+          </a:p>
+          <a:p>
+            <a:pPr>
+              <a:lnSpc>
+                <a:spcPct val="150000"/>
+              </a:lnSpc>
+              <a:buSzPct val="80000"/>
+              <a:buFont typeface="Wingdings" charset="2"/>
+              <a:buChar char="§"/>
+            </a:pPr>
+            <a:r>
+              <a:rPr lang="es-ES" dirty="0"/>
+              <a:t>Requisitos mínimos</a:t>
+            </a:r>
+          </a:p>
+          <a:p>
+            <a:pPr>
+              <a:lnSpc>
+                <a:spcPct val="150000"/>
+              </a:lnSpc>
+              <a:buSzPct val="80000"/>
+              <a:buFont typeface="Wingdings" charset="2"/>
+              <a:buChar char="§"/>
+            </a:pPr>
+            <a:r>
+              <a:rPr lang="es-ES" dirty="0"/>
+              <a:t>Requisitos extra</a:t>
+            </a:r>
+          </a:p>
+          <a:p>
+            <a:pPr>
+              <a:lnSpc>
+                <a:spcPct val="150000"/>
+              </a:lnSpc>
+              <a:buSzPct val="80000"/>
+              <a:buFont typeface="Wingdings" charset="2"/>
+              <a:buChar char="§"/>
+            </a:pPr>
+            <a:r>
+              <a:rPr lang="es-ES" dirty="0"/>
+              <a:t>Puntos clave () =&gt; { Decisiones }</a:t>
+            </a:r>
+          </a:p>
+          <a:p>
+            <a:pPr>
+              <a:lnSpc>
+                <a:spcPct val="150000"/>
+              </a:lnSpc>
+              <a:buSzPct val="80000"/>
+              <a:buFont typeface="Wingdings" charset="2"/>
+              <a:buChar char="§"/>
+            </a:pPr>
+            <a:r>
+              <a:rPr lang="es-ES" dirty="0"/>
+              <a:t>Conclusiones</a:t>
+            </a:r>
+          </a:p>
+          <a:p>
+            <a:pPr>
+              <a:lnSpc>
+                <a:spcPct val="150000"/>
+              </a:lnSpc>
+              <a:buSzPct val="80000"/>
+              <a:buFont typeface="Wingdings" charset="2"/>
+              <a:buChar char="§"/>
+            </a:pPr>
+            <a:r>
+              <a:rPr lang="es-ES" dirty="0"/>
+              <a:t>Líneas de trabajo futuro</a:t>
+            </a:r>
+          </a:p>
+          <a:p>
+            <a:pPr>
+              <a:buSzPct val="80000"/>
+              <a:buFont typeface="Wingdings" charset="2"/>
+              <a:buChar char="§"/>
+            </a:pPr>
+            <a:endParaRPr lang="es-ES" dirty="0"/>
+          </a:p>
+          <a:p>
+            <a:pPr>
+              <a:buSzPct val="80000"/>
+              <a:buFont typeface="Wingdings" charset="2"/>
+              <a:buChar char="§"/>
+            </a:pPr>
+            <a:endParaRPr lang="es-ES_tradnl" dirty="0"/>
+          </a:p>
+        </p:txBody>
+      </p:sp>
+      <p:pic>
+        <p:nvPicPr>
+          <p:cNvPr id="4" name="Imagen 3" descr="Logotipo&#10;&#10;Descripción generada automáticamente">
+            <a:extLst>
+              <a:ext uri="{FF2B5EF4-FFF2-40B4-BE49-F238E27FC236}">
+                <a16:creationId xmlns:a16="http://schemas.microsoft.com/office/drawing/2014/main" id="{F1907A88-8409-43CE-1830-78AB18FA06AC}"/>
+              </a:ext>
+            </a:extLst>
+          </p:cNvPr>
+          <p:cNvPicPr>
+            <a:picLocks noChangeAspect="1"/>
+          </p:cNvPicPr>
+          <p:nvPr/>
+        </p:nvPicPr>
+        <p:blipFill>
+          <a:blip r:embed="rId3">
+            <a:extLst>
+              <a:ext uri="{28A0092B-C50C-407E-A947-70E740481C1C}">
+                <a14:useLocalDpi xmlns:a14="http://schemas.microsoft.com/office/drawing/2010/main" val="0"/>
+              </a:ext>
+            </a:extLst>
+          </a:blip>
+          <a:stretch>
+            <a:fillRect/>
+          </a:stretch>
+        </p:blipFill>
+        <p:spPr>
+          <a:xfrm>
+            <a:off x="838200" y="358081"/>
+            <a:ext cx="939181" cy="939181"/>
+          </a:xfrm>
+          <a:prstGeom prst="rect">
+            <a:avLst/>
+          </a:prstGeom>
+        </p:spPr>
+      </p:pic>
+    </p:spTree>
+    <p:extLst>
+      <p:ext uri="{BB962C8B-B14F-4D97-AF65-F5344CB8AC3E}">
+        <p14:creationId xmlns:p14="http://schemas.microsoft.com/office/powerpoint/2010/main" val="654458469"/>
+      </p:ext>
+    </p:extLst>
+  </p:cSld>
+  <p:clrMapOvr>
+    <a:masterClrMapping/>
+  </p:clrMapOvr>
+</p:sld>
+</file>
+
+<file path=ppt/slides/slide20.xml><?xml version="1.0" encoding="utf-8"?>
 <p:sld xmlns:a="http://schemas.openxmlformats.org/drawingml/2006/main" xmlns:r="http://schemas.openxmlformats.org/officeDocument/2006/relationships" xmlns:p="http://schemas.openxmlformats.org/presentationml/2006/main">
   <p:cSld>
     <p:spTree>
@@ -7817,239 +8170,7 @@
 </p:sld>
 </file>
 
-<file path=ppt/slides/slide2.xml><?xml version="1.0" encoding="utf-8"?>
-<p:sld xmlns:a="http://schemas.openxmlformats.org/drawingml/2006/main" xmlns:r="http://schemas.openxmlformats.org/officeDocument/2006/relationships" xmlns:p="http://schemas.openxmlformats.org/presentationml/2006/main">
-  <p:cSld>
-    <p:spTree>
-      <p:nvGrpSpPr>
-        <p:cNvPr id="1" name=""/>
-        <p:cNvGrpSpPr/>
-        <p:nvPr/>
-      </p:nvGrpSpPr>
-      <p:grpSpPr>
-        <a:xfrm>
-          <a:off x="0" y="0"/>
-          <a:ext cx="0" cy="0"/>
-          <a:chOff x="0" y="0"/>
-          <a:chExt cx="0" cy="0"/>
-        </a:xfrm>
-      </p:grpSpPr>
-      <p:sp>
-        <p:nvSpPr>
-          <p:cNvPr id="2" name="Título 1"/>
-          <p:cNvSpPr>
-            <a:spLocks noGrp="1"/>
-          </p:cNvSpPr>
-          <p:nvPr>
-            <p:ph type="title"/>
-          </p:nvPr>
-        </p:nvSpPr>
-        <p:spPr>
-          <a:xfrm>
-            <a:off x="2033081" y="605818"/>
-            <a:ext cx="9832347" cy="443706"/>
-          </a:xfrm>
-        </p:spPr>
-        <p:txBody>
-          <a:bodyPr>
-            <a:normAutofit fontScale="90000"/>
-          </a:bodyPr>
-          <a:lstStyle/>
-          <a:p>
-            <a:r>
-              <a:rPr lang="es-ES_tradnl" b="1" dirty="0"/>
-              <a:t>Contenidos</a:t>
-            </a:r>
-          </a:p>
-        </p:txBody>
-      </p:sp>
-      <p:sp>
-        <p:nvSpPr>
-          <p:cNvPr id="3" name="Marcador de contenido 2"/>
-          <p:cNvSpPr>
-            <a:spLocks noGrp="1"/>
-          </p:cNvSpPr>
-          <p:nvPr>
-            <p:ph idx="1"/>
-          </p:nvPr>
-        </p:nvSpPr>
-        <p:spPr>
-          <a:xfrm>
-            <a:off x="1777380" y="1495311"/>
-            <a:ext cx="9576419" cy="4411663"/>
-          </a:xfrm>
-        </p:spPr>
-        <p:txBody>
-          <a:bodyPr>
-            <a:normAutofit fontScale="85000" lnSpcReduction="20000"/>
-          </a:bodyPr>
-          <a:lstStyle/>
-          <a:p>
-            <a:pPr>
-              <a:lnSpc>
-                <a:spcPct val="150000"/>
-              </a:lnSpc>
-              <a:buSzPct val="80000"/>
-              <a:buFont typeface="Wingdings" charset="2"/>
-              <a:buChar char="§"/>
-            </a:pPr>
-            <a:r>
-              <a:rPr lang="es-ES_tradnl" dirty="0"/>
-              <a:t>Introducción</a:t>
-            </a:r>
-          </a:p>
-          <a:p>
-            <a:pPr>
-              <a:lnSpc>
-                <a:spcPct val="150000"/>
-              </a:lnSpc>
-              <a:buSzPct val="80000"/>
-              <a:buFont typeface="Wingdings" charset="2"/>
-              <a:buChar char="§"/>
-            </a:pPr>
-            <a:r>
-              <a:rPr lang="es-ES" dirty="0"/>
-              <a:t>Presentación de la App</a:t>
-            </a:r>
-          </a:p>
-          <a:p>
-            <a:pPr>
-              <a:lnSpc>
-                <a:spcPct val="150000"/>
-              </a:lnSpc>
-              <a:buSzPct val="80000"/>
-              <a:buFont typeface="Wingdings" charset="2"/>
-              <a:buChar char="§"/>
-            </a:pPr>
-            <a:r>
-              <a:rPr lang="es-ES" dirty="0"/>
-              <a:t>Requisitos mínimos</a:t>
-            </a:r>
-          </a:p>
-          <a:p>
-            <a:pPr>
-              <a:lnSpc>
-                <a:spcPct val="150000"/>
-              </a:lnSpc>
-              <a:buSzPct val="80000"/>
-              <a:buFont typeface="Wingdings" charset="2"/>
-              <a:buChar char="§"/>
-            </a:pPr>
-            <a:r>
-              <a:rPr lang="es-ES" dirty="0"/>
-              <a:t>Requisitos extra</a:t>
-            </a:r>
-          </a:p>
-          <a:p>
-            <a:pPr>
-              <a:lnSpc>
-                <a:spcPct val="150000"/>
-              </a:lnSpc>
-              <a:buSzPct val="80000"/>
-              <a:buFont typeface="Wingdings" charset="2"/>
-              <a:buChar char="§"/>
-            </a:pPr>
-            <a:r>
-              <a:rPr lang="es-ES" dirty="0"/>
-              <a:t>Puntos clave () =&gt; { Decisiones }</a:t>
-            </a:r>
-          </a:p>
-          <a:p>
-            <a:pPr>
-              <a:lnSpc>
-                <a:spcPct val="150000"/>
-              </a:lnSpc>
-              <a:buSzPct val="80000"/>
-              <a:buFont typeface="Wingdings" charset="2"/>
-              <a:buChar char="§"/>
-            </a:pPr>
-            <a:r>
-              <a:rPr lang="es-ES" dirty="0"/>
-              <a:t>Conclusiones</a:t>
-            </a:r>
-          </a:p>
-          <a:p>
-            <a:pPr>
-              <a:lnSpc>
-                <a:spcPct val="150000"/>
-              </a:lnSpc>
-              <a:buSzPct val="80000"/>
-              <a:buFont typeface="Wingdings" charset="2"/>
-              <a:buChar char="§"/>
-            </a:pPr>
-            <a:r>
-              <a:rPr lang="es-ES" dirty="0"/>
-              <a:t>Líneas de trabajo futuro</a:t>
-            </a:r>
-          </a:p>
-          <a:p>
-            <a:pPr>
-              <a:buSzPct val="80000"/>
-              <a:buFont typeface="Wingdings" charset="2"/>
-              <a:buChar char="§"/>
-            </a:pPr>
-            <a:endParaRPr lang="es-ES" dirty="0"/>
-          </a:p>
-          <a:p>
-            <a:pPr>
-              <a:buSzPct val="80000"/>
-              <a:buFont typeface="Wingdings" charset="2"/>
-              <a:buChar char="§"/>
-            </a:pPr>
-            <a:endParaRPr lang="es-ES_tradnl" dirty="0"/>
-          </a:p>
-        </p:txBody>
-      </p:sp>
-      <p:pic>
-        <p:nvPicPr>
-          <p:cNvPr id="4" name="Imagen 3" descr="Logotipo&#10;&#10;Descripción generada automáticamente">
-            <a:extLst>
-              <a:ext uri="{FF2B5EF4-FFF2-40B4-BE49-F238E27FC236}">
-                <a16:creationId xmlns:a16="http://schemas.microsoft.com/office/drawing/2014/main" id="{F1907A88-8409-43CE-1830-78AB18FA06AC}"/>
-              </a:ext>
-            </a:extLst>
-          </p:cNvPr>
-          <p:cNvPicPr>
-            <a:picLocks noChangeAspect="1"/>
-          </p:cNvPicPr>
-          <p:nvPr/>
-        </p:nvPicPr>
-        <p:blipFill>
-          <a:blip r:embed="rId3">
-            <a:extLst>
-              <a:ext uri="{28A0092B-C50C-407E-A947-70E740481C1C}">
-                <a14:useLocalDpi xmlns:a14="http://schemas.microsoft.com/office/drawing/2010/main" val="0"/>
-              </a:ext>
-            </a:extLst>
-          </a:blip>
-          <a:stretch>
-            <a:fillRect/>
-          </a:stretch>
-        </p:blipFill>
-        <p:spPr>
-          <a:xfrm>
-            <a:off x="838200" y="358081"/>
-            <a:ext cx="939181" cy="939181"/>
-          </a:xfrm>
-          <a:prstGeom prst="rect">
-            <a:avLst/>
-          </a:prstGeom>
-        </p:spPr>
-      </p:pic>
-    </p:spTree>
-    <p:extLst>
-      <p:ext uri="{BB962C8B-B14F-4D97-AF65-F5344CB8AC3E}">
-        <p14:creationId xmlns:p14="http://schemas.microsoft.com/office/powerpoint/2010/main" val="654458469"/>
-      </p:ext>
-    </p:extLst>
-  </p:cSld>
-  <p:clrMapOvr>
-    <a:masterClrMapping/>
-  </p:clrMapOvr>
-</p:sld>
-</file>
-
-<file path=ppt/slides/slide20.xml><?xml version="1.0" encoding="utf-8"?>
+<file path=ppt/slides/slide21.xml><?xml version="1.0" encoding="utf-8"?>
 <p:sld xmlns:a="http://schemas.openxmlformats.org/drawingml/2006/main" xmlns:r="http://schemas.openxmlformats.org/officeDocument/2006/relationships" xmlns:p="http://schemas.openxmlformats.org/presentationml/2006/main">
   <p:cSld>
     <p:spTree>
